--- a/CalendarioAgo20L/presentaciones/10_Matrices.pptx
+++ b/CalendarioAgo20L/presentaciones/10_Matrices.pptx
@@ -26,13 +26,13 @@
     <p:sldId id="272" r:id="rId17"/>
     <p:sldId id="322" r:id="rId18"/>
     <p:sldId id="324" r:id="rId19"/>
-    <p:sldId id="275" r:id="rId20"/>
-    <p:sldId id="276" r:id="rId21"/>
-    <p:sldId id="277" r:id="rId22"/>
-    <p:sldId id="278" r:id="rId23"/>
-    <p:sldId id="279" r:id="rId24"/>
-    <p:sldId id="280" r:id="rId25"/>
-    <p:sldId id="281" r:id="rId26"/>
+    <p:sldId id="325" r:id="rId20"/>
+    <p:sldId id="275" r:id="rId21"/>
+    <p:sldId id="276" r:id="rId22"/>
+    <p:sldId id="277" r:id="rId23"/>
+    <p:sldId id="278" r:id="rId24"/>
+    <p:sldId id="279" r:id="rId25"/>
+    <p:sldId id="280" r:id="rId26"/>
     <p:sldId id="282" r:id="rId27"/>
   </p:sldIdLst>
   <p:sldSz cx="9144000" cy="6858000" type="screen4x3"/>
@@ -233,7 +233,7 @@
           <a:p>
             <a:fld id="{9CE7A054-6D4F-4ED4-B3E7-62AC408CF793}" type="datetimeFigureOut">
               <a:rPr lang="es-MX" smtClean="0"/>
-              <a:t>30/07/2020</a:t>
+              <a:t>28/09/2020</a:t>
             </a:fld>
             <a:endParaRPr lang="es-MX"/>
           </a:p>
@@ -1070,7 +1070,7 @@
           <a:p>
             <a:fld id="{9C4A5C2F-87B0-4382-B452-9CF1E6F7248D}" type="slidenum">
               <a:rPr lang="es-MX" smtClean="0"/>
-              <a:t>19</a:t>
+              <a:t>20</a:t>
             </a:fld>
             <a:endParaRPr lang="es-MX"/>
           </a:p>
@@ -1154,7 +1154,7 @@
           <a:p>
             <a:fld id="{9C4A5C2F-87B0-4382-B452-9CF1E6F7248D}" type="slidenum">
               <a:rPr lang="es-MX" smtClean="0"/>
-              <a:t>22</a:t>
+              <a:t>23</a:t>
             </a:fld>
             <a:endParaRPr lang="es-MX"/>
           </a:p>
@@ -1354,7 +1354,7 @@
           <a:p>
             <a:fld id="{05B1B184-8162-40A9-BCCC-182276235E4C}" type="datetimeFigureOut">
               <a:rPr lang="es-MX" smtClean="0"/>
-              <a:t>30/07/2020</a:t>
+              <a:t>28/09/2020</a:t>
             </a:fld>
             <a:endParaRPr lang="es-MX"/>
           </a:p>
@@ -1524,7 +1524,7 @@
           <a:p>
             <a:fld id="{05B1B184-8162-40A9-BCCC-182276235E4C}" type="datetimeFigureOut">
               <a:rPr lang="es-MX" smtClean="0"/>
-              <a:t>30/07/2020</a:t>
+              <a:t>28/09/2020</a:t>
             </a:fld>
             <a:endParaRPr lang="es-MX"/>
           </a:p>
@@ -1704,7 +1704,7 @@
           <a:p>
             <a:fld id="{05B1B184-8162-40A9-BCCC-182276235E4C}" type="datetimeFigureOut">
               <a:rPr lang="es-MX" smtClean="0"/>
-              <a:t>30/07/2020</a:t>
+              <a:t>28/09/2020</a:t>
             </a:fld>
             <a:endParaRPr lang="es-MX"/>
           </a:p>
@@ -1857,7 +1857,7 @@
           <a:p>
             <a:fld id="{1D8BD707-D9CF-40AE-B4C6-C98DA3205C09}" type="datetimeFigureOut">
               <a:rPr lang="en-US" smtClean="0"/>
-              <a:t>7/30/2020</a:t>
+              <a:t>9/28/2020</a:t>
             </a:fld>
             <a:endParaRPr lang="en-US"/>
           </a:p>
@@ -2017,7 +2017,7 @@
           <a:p>
             <a:fld id="{05B1B184-8162-40A9-BCCC-182276235E4C}" type="datetimeFigureOut">
               <a:rPr lang="es-MX" smtClean="0"/>
-              <a:t>30/07/2020</a:t>
+              <a:t>28/09/2020</a:t>
             </a:fld>
             <a:endParaRPr lang="es-MX"/>
           </a:p>
@@ -2263,7 +2263,7 @@
           <a:p>
             <a:fld id="{05B1B184-8162-40A9-BCCC-182276235E4C}" type="datetimeFigureOut">
               <a:rPr lang="es-MX" smtClean="0"/>
-              <a:t>30/07/2020</a:t>
+              <a:t>28/09/2020</a:t>
             </a:fld>
             <a:endParaRPr lang="es-MX"/>
           </a:p>
@@ -2551,7 +2551,7 @@
           <a:p>
             <a:fld id="{05B1B184-8162-40A9-BCCC-182276235E4C}" type="datetimeFigureOut">
               <a:rPr lang="es-MX" smtClean="0"/>
-              <a:t>30/07/2020</a:t>
+              <a:t>28/09/2020</a:t>
             </a:fld>
             <a:endParaRPr lang="es-MX"/>
           </a:p>
@@ -2973,7 +2973,7 @@
           <a:p>
             <a:fld id="{05B1B184-8162-40A9-BCCC-182276235E4C}" type="datetimeFigureOut">
               <a:rPr lang="es-MX" smtClean="0"/>
-              <a:t>30/07/2020</a:t>
+              <a:t>28/09/2020</a:t>
             </a:fld>
             <a:endParaRPr lang="es-MX"/>
           </a:p>
@@ -3091,7 +3091,7 @@
           <a:p>
             <a:fld id="{05B1B184-8162-40A9-BCCC-182276235E4C}" type="datetimeFigureOut">
               <a:rPr lang="es-MX" smtClean="0"/>
-              <a:t>30/07/2020</a:t>
+              <a:t>28/09/2020</a:t>
             </a:fld>
             <a:endParaRPr lang="es-MX"/>
           </a:p>
@@ -3186,7 +3186,7 @@
           <a:p>
             <a:fld id="{05B1B184-8162-40A9-BCCC-182276235E4C}" type="datetimeFigureOut">
               <a:rPr lang="es-MX" smtClean="0"/>
-              <a:t>30/07/2020</a:t>
+              <a:t>28/09/2020</a:t>
             </a:fld>
             <a:endParaRPr lang="es-MX"/>
           </a:p>
@@ -3463,7 +3463,7 @@
           <a:p>
             <a:fld id="{05B1B184-8162-40A9-BCCC-182276235E4C}" type="datetimeFigureOut">
               <a:rPr lang="es-MX" smtClean="0"/>
-              <a:t>30/07/2020</a:t>
+              <a:t>28/09/2020</a:t>
             </a:fld>
             <a:endParaRPr lang="es-MX"/>
           </a:p>
@@ -3716,7 +3716,7 @@
           <a:p>
             <a:fld id="{05B1B184-8162-40A9-BCCC-182276235E4C}" type="datetimeFigureOut">
               <a:rPr lang="es-MX" smtClean="0"/>
-              <a:t>30/07/2020</a:t>
+              <a:t>28/09/2020</a:t>
             </a:fld>
             <a:endParaRPr lang="es-MX"/>
           </a:p>
@@ -3929,7 +3929,7 @@
           <a:p>
             <a:fld id="{05B1B184-8162-40A9-BCCC-182276235E4C}" type="datetimeFigureOut">
               <a:rPr lang="es-MX" smtClean="0"/>
-              <a:t>30/07/2020</a:t>
+              <a:t>28/09/2020</a:t>
             </a:fld>
             <a:endParaRPr lang="es-MX"/>
           </a:p>
@@ -17630,7 +17630,7 @@
                   <a:srgbClr val="FF0000"/>
                 </a:solidFill>
               </a:rPr>
-              <a:t>creaMatriz</a:t>
+              <a:t>crea_matriz</a:t>
             </a:r>
             <a:r>
               <a:rPr lang="es-ES_tradnl" sz="2200" dirty="0">
@@ -17978,10 +17978,10 @@
       </p:grpSpPr>
       <p:pic>
         <p:nvPicPr>
-          <p:cNvPr id="2" name="Imagen 1">
+          <p:cNvPr id="4" name="Imagen 3">
             <a:extLst>
               <a:ext uri="{FF2B5EF4-FFF2-40B4-BE49-F238E27FC236}">
-                <a16:creationId xmlns:a16="http://schemas.microsoft.com/office/drawing/2014/main" id="{DD9C2D96-3A4B-43A0-8937-022388D3A35D}"/>
+                <a16:creationId xmlns:a16="http://schemas.microsoft.com/office/drawing/2014/main" id="{60372851-DAA5-46D6-A5A6-3B74DEEB20A1}"/>
               </a:ext>
             </a:extLst>
           </p:cNvPr>
@@ -17998,8 +17998,8 @@
         </p:blipFill>
         <p:spPr>
           <a:xfrm>
-            <a:off x="971600" y="1556792"/>
-            <a:ext cx="7515225" cy="4476750"/>
+            <a:off x="1062037" y="1556792"/>
+            <a:ext cx="7019925" cy="4057650"/>
           </a:xfrm>
           <a:prstGeom prst="rect">
             <a:avLst/>
@@ -18016,8 +18016,8 @@
         </p:nvSpPr>
         <p:spPr bwMode="auto">
           <a:xfrm>
-            <a:off x="3131840" y="307692"/>
-            <a:ext cx="2520280" cy="1006301"/>
+            <a:off x="1259632" y="227867"/>
+            <a:ext cx="6624736" cy="1006301"/>
           </a:xfrm>
           <a:prstGeom prst="rect">
             <a:avLst/>
@@ -18077,8 +18077,37 @@
                 </a:effectLst>
                 <a:latin typeface="Dom Casual" charset="0"/>
               </a:rPr>
-              <a:t>Solución</a:t>
-            </a:r>
+              <a:t>Solución con </a:t>
+            </a:r>
+            <a:r>
+              <a:rPr lang="es-ES_tradnl" sz="4000" b="1" dirty="0" err="1">
+                <a:solidFill>
+                  <a:schemeClr val="accent6">
+                    <a:lumMod val="75000"/>
+                  </a:schemeClr>
+                </a:solidFill>
+                <a:effectLst>
+                  <a:outerShdw blurRad="38100" dist="38100" dir="2700000" algn="tl">
+                    <a:srgbClr val="C0C0C0"/>
+                  </a:outerShdw>
+                </a:effectLst>
+                <a:latin typeface="Dom Casual" charset="0"/>
+              </a:rPr>
+              <a:t>append</a:t>
+            </a:r>
+            <a:endParaRPr lang="es-ES_tradnl" sz="4000" b="1" dirty="0">
+              <a:solidFill>
+                <a:schemeClr val="accent6">
+                  <a:lumMod val="75000"/>
+                </a:schemeClr>
+              </a:solidFill>
+              <a:effectLst>
+                <a:outerShdw blurRad="38100" dist="38100" dir="2700000" algn="tl">
+                  <a:srgbClr val="C0C0C0"/>
+                </a:outerShdw>
+              </a:effectLst>
+              <a:latin typeface="Dom Casual" charset="0"/>
+            </a:endParaRPr>
           </a:p>
         </p:txBody>
       </p:sp>
@@ -18110,7 +18139,7 @@
         </p:blipFill>
         <p:spPr>
           <a:xfrm>
-            <a:off x="6876256" y="1573627"/>
+            <a:off x="7020272" y="1556792"/>
             <a:ext cx="1728192" cy="1603861"/>
           </a:xfrm>
           <a:prstGeom prst="rect">
@@ -18132,7 +18161,7 @@
 </file>
 
 <file path=ppt/slides/slide19.xml><?xml version="1.0" encoding="utf-8"?>
-<p:sld xmlns:a="http://schemas.openxmlformats.org/drawingml/2006/main" xmlns:r="http://schemas.openxmlformats.org/officeDocument/2006/relationships" xmlns:p="http://schemas.openxmlformats.org/presentationml/2006/main">
+<p:sld xmlns:a="http://schemas.openxmlformats.org/drawingml/2006/main" xmlns:r="http://schemas.openxmlformats.org/officeDocument/2006/relationships" xmlns:p="http://schemas.openxmlformats.org/presentationml/2006/main" showMasterPhAnim="0">
   <p:cSld>
     <p:spTree>
       <p:nvGrpSpPr>
@@ -18148,204 +18177,39 @@
           <a:chExt cx="0" cy="0"/>
         </a:xfrm>
       </p:grpSpPr>
-      <p:sp>
-        <p:nvSpPr>
-          <p:cNvPr id="233476" name="Text Box 4"/>
-          <p:cNvSpPr txBox="1">
-            <a:spLocks noChangeArrowheads="1"/>
-          </p:cNvSpPr>
+      <p:pic>
+        <p:nvPicPr>
+          <p:cNvPr id="2" name="Imagen 1">
+            <a:extLst>
+              <a:ext uri="{FF2B5EF4-FFF2-40B4-BE49-F238E27FC236}">
+                <a16:creationId xmlns:a16="http://schemas.microsoft.com/office/drawing/2014/main" id="{255819D1-F3C1-4FF4-872D-AB6469AF3680}"/>
+              </a:ext>
+            </a:extLst>
+          </p:cNvPr>
+          <p:cNvPicPr>
+            <a:picLocks noChangeAspect="1"/>
+          </p:cNvPicPr>
           <p:nvPr/>
-        </p:nvSpPr>
-        <p:spPr bwMode="auto">
+        </p:nvPicPr>
+        <p:blipFill>
+          <a:blip r:embed="rId2"/>
+          <a:stretch>
+            <a:fillRect/>
+          </a:stretch>
+        </p:blipFill>
+        <p:spPr>
           <a:xfrm>
-            <a:off x="1255168" y="1599138"/>
-            <a:ext cx="6768752" cy="1685846"/>
+            <a:off x="1236103" y="1544149"/>
+            <a:ext cx="6991350" cy="4076700"/>
           </a:xfrm>
           <a:prstGeom prst="rect">
             <a:avLst/>
           </a:prstGeom>
-          <a:noFill/>
-          <a:ln>
-            <a:noFill/>
-          </a:ln>
-          <a:effectLst/>
-          <a:extLst>
-            <a:ext uri="{909E8E84-426E-40DD-AFC4-6F175D3DCCD1}">
-              <a14:hiddenFill xmlns:a14="http://schemas.microsoft.com/office/drawing/2010/main">
-                <a:solidFill>
-                  <a:schemeClr val="accent1"/>
-                </a:solidFill>
-              </a14:hiddenFill>
-            </a:ext>
-            <a:ext uri="{91240B29-F687-4F45-9708-019B960494DF}">
-              <a14:hiddenLine xmlns:a14="http://schemas.microsoft.com/office/drawing/2010/main" w="12700">
-                <a:solidFill>
-                  <a:schemeClr val="tx1"/>
-                </a:solidFill>
-                <a:miter lim="800000"/>
-                <a:headEnd type="none" w="sm" len="sm"/>
-                <a:tailEnd type="none" w="sm" len="sm"/>
-              </a14:hiddenLine>
-            </a:ext>
-            <a:ext uri="{AF507438-7753-43E0-B8FC-AC1667EBCBE1}">
-              <a14:hiddenEffects xmlns:a14="http://schemas.microsoft.com/office/drawing/2010/main">
-                <a:effectLst>
-                  <a:outerShdw dist="35921" dir="2700000" algn="ctr" rotWithShape="0">
-                    <a:schemeClr val="bg2"/>
-                  </a:outerShdw>
-                </a:effectLst>
-              </a14:hiddenEffects>
-            </a:ext>
-          </a:extLst>
         </p:spPr>
-        <p:txBody>
-          <a:bodyPr wrap="square">
-            <a:spAutoFit/>
-          </a:bodyPr>
-          <a:lstStyle>
-            <a:lvl1pPr defTabSz="762000" eaLnBrk="0" hangingPunct="0">
-              <a:defRPr sz="1600">
-                <a:solidFill>
-                  <a:schemeClr val="tx1"/>
-                </a:solidFill>
-                <a:latin typeface="Arial" pitchFamily="34" charset="0"/>
-              </a:defRPr>
-            </a:lvl1pPr>
-            <a:lvl2pPr marL="742950" indent="-285750" defTabSz="762000" eaLnBrk="0" hangingPunct="0">
-              <a:defRPr sz="1600">
-                <a:solidFill>
-                  <a:schemeClr val="tx1"/>
-                </a:solidFill>
-                <a:latin typeface="Arial" pitchFamily="34" charset="0"/>
-              </a:defRPr>
-            </a:lvl2pPr>
-            <a:lvl3pPr marL="1143000" indent="-228600" defTabSz="762000" eaLnBrk="0" hangingPunct="0">
-              <a:defRPr sz="1600">
-                <a:solidFill>
-                  <a:schemeClr val="tx1"/>
-                </a:solidFill>
-                <a:latin typeface="Arial" pitchFamily="34" charset="0"/>
-              </a:defRPr>
-            </a:lvl3pPr>
-            <a:lvl4pPr marL="1600200" indent="-228600" defTabSz="762000" eaLnBrk="0" hangingPunct="0">
-              <a:defRPr sz="1600">
-                <a:solidFill>
-                  <a:schemeClr val="tx1"/>
-                </a:solidFill>
-                <a:latin typeface="Arial" pitchFamily="34" charset="0"/>
-              </a:defRPr>
-            </a:lvl4pPr>
-            <a:lvl5pPr marL="2057400" indent="-228600" defTabSz="762000" eaLnBrk="0" hangingPunct="0">
-              <a:defRPr sz="1600">
-                <a:solidFill>
-                  <a:schemeClr val="tx1"/>
-                </a:solidFill>
-                <a:latin typeface="Arial" pitchFamily="34" charset="0"/>
-              </a:defRPr>
-            </a:lvl5pPr>
-            <a:lvl6pPr marL="2514600" indent="-228600" defTabSz="762000" eaLnBrk="0" fontAlgn="base" hangingPunct="0">
-              <a:spcBef>
-                <a:spcPct val="0"/>
-              </a:spcBef>
-              <a:spcAft>
-                <a:spcPct val="0"/>
-              </a:spcAft>
-              <a:defRPr sz="1600">
-                <a:solidFill>
-                  <a:schemeClr val="tx1"/>
-                </a:solidFill>
-                <a:latin typeface="Arial" pitchFamily="34" charset="0"/>
-              </a:defRPr>
-            </a:lvl6pPr>
-            <a:lvl7pPr marL="2971800" indent="-228600" defTabSz="762000" eaLnBrk="0" fontAlgn="base" hangingPunct="0">
-              <a:spcBef>
-                <a:spcPct val="0"/>
-              </a:spcBef>
-              <a:spcAft>
-                <a:spcPct val="0"/>
-              </a:spcAft>
-              <a:defRPr sz="1600">
-                <a:solidFill>
-                  <a:schemeClr val="tx1"/>
-                </a:solidFill>
-                <a:latin typeface="Arial" pitchFamily="34" charset="0"/>
-              </a:defRPr>
-            </a:lvl7pPr>
-            <a:lvl8pPr marL="3429000" indent="-228600" defTabSz="762000" eaLnBrk="0" fontAlgn="base" hangingPunct="0">
-              <a:spcBef>
-                <a:spcPct val="0"/>
-              </a:spcBef>
-              <a:spcAft>
-                <a:spcPct val="0"/>
-              </a:spcAft>
-              <a:defRPr sz="1600">
-                <a:solidFill>
-                  <a:schemeClr val="tx1"/>
-                </a:solidFill>
-                <a:latin typeface="Arial" pitchFamily="34" charset="0"/>
-              </a:defRPr>
-            </a:lvl8pPr>
-            <a:lvl9pPr marL="3886200" indent="-228600" defTabSz="762000" eaLnBrk="0" fontAlgn="base" hangingPunct="0">
-              <a:spcBef>
-                <a:spcPct val="0"/>
-              </a:spcBef>
-              <a:spcAft>
-                <a:spcPct val="0"/>
-              </a:spcAft>
-              <a:defRPr sz="1600">
-                <a:solidFill>
-                  <a:schemeClr val="tx1"/>
-                </a:solidFill>
-                <a:latin typeface="Arial" pitchFamily="34" charset="0"/>
-              </a:defRPr>
-            </a:lvl9pPr>
-          </a:lstStyle>
-          <a:p>
-            <a:pPr algn="ctr" eaLnBrk="1" hangingPunct="1">
-              <a:lnSpc>
-                <a:spcPct val="150000"/>
-              </a:lnSpc>
-              <a:buClr>
-                <a:schemeClr val="accent1"/>
-              </a:buClr>
-              <a:buSzPct val="80000"/>
-              <a:buFont typeface="Wingdings" pitchFamily="2" charset="2"/>
-              <a:buNone/>
-            </a:pPr>
-            <a:r>
-              <a:rPr lang="es-ES_tradnl" sz="2400" dirty="0">
-                <a:solidFill>
-                  <a:schemeClr val="bg2">
-                    <a:lumMod val="25000"/>
-                  </a:schemeClr>
-                </a:solidFill>
-              </a:rPr>
-              <a:t>Escriba el código de la función </a:t>
-            </a:r>
-            <a:r>
-              <a:rPr lang="es-ES_tradnl" sz="2400" b="1" dirty="0" err="1">
-                <a:solidFill>
-                  <a:srgbClr val="FF0000"/>
-                </a:solidFill>
-              </a:rPr>
-              <a:t>imprimeMatriz</a:t>
-            </a:r>
-            <a:r>
-              <a:rPr lang="es-ES_tradnl" sz="2400" dirty="0">
-                <a:solidFill>
-                  <a:schemeClr val="bg2">
-                    <a:lumMod val="25000"/>
-                  </a:schemeClr>
-                </a:solidFill>
-              </a:rPr>
-              <a:t>, que recibe una matriz de enteros de enteros y despliega en pantalla el contenido de la matriz.</a:t>
-            </a:r>
-          </a:p>
-        </p:txBody>
-      </p:sp>
+      </p:pic>
       <p:sp>
         <p:nvSpPr>
-          <p:cNvPr id="5" name="Rectangle 2"/>
+          <p:cNvPr id="7" name="Rectangle 2"/>
           <p:cNvSpPr>
             <a:spLocks noChangeArrowheads="1"/>
           </p:cNvSpPr>
@@ -18353,8 +18217,8 @@
         </p:nvSpPr>
         <p:spPr bwMode="auto">
           <a:xfrm>
-            <a:off x="611560" y="379070"/>
-            <a:ext cx="7772400" cy="1008112"/>
+            <a:off x="1259632" y="227867"/>
+            <a:ext cx="6624736" cy="1006301"/>
           </a:xfrm>
           <a:prstGeom prst="rect">
             <a:avLst/>
@@ -18401,9 +18265,11 @@
               <a:defRPr/>
             </a:pPr>
             <a:r>
-              <a:rPr lang="es-ES_tradnl" sz="4400" b="1" dirty="0">
-                <a:solidFill>
-                  <a:srgbClr val="0070C0"/>
+              <a:rPr lang="es-ES_tradnl" sz="4000" b="1" dirty="0">
+                <a:solidFill>
+                  <a:schemeClr val="accent6">
+                    <a:lumMod val="75000"/>
+                  </a:schemeClr>
                 </a:solidFill>
                 <a:effectLst>
                   <a:outerShdw blurRad="38100" dist="38100" dir="2700000" algn="tl">
@@ -18412,16 +18278,51 @@
                 </a:effectLst>
                 <a:latin typeface="Dom Casual" charset="0"/>
               </a:rPr>
-              <a:t>Actividad Grupal</a:t>
-            </a:r>
+              <a:t>Solución con </a:t>
+            </a:r>
+            <a:r>
+              <a:rPr lang="es-ES_tradnl" sz="4000" b="1" dirty="0" err="1">
+                <a:solidFill>
+                  <a:schemeClr val="accent6">
+                    <a:lumMod val="75000"/>
+                  </a:schemeClr>
+                </a:solidFill>
+                <a:effectLst>
+                  <a:outerShdw blurRad="38100" dist="38100" dir="2700000" algn="tl">
+                    <a:srgbClr val="C0C0C0"/>
+                  </a:outerShdw>
+                </a:effectLst>
+                <a:latin typeface="Dom Casual" charset="0"/>
+              </a:rPr>
+              <a:t>insert</a:t>
+            </a:r>
+            <a:endParaRPr lang="es-ES_tradnl" sz="4000" b="1" dirty="0">
+              <a:solidFill>
+                <a:schemeClr val="accent6">
+                  <a:lumMod val="75000"/>
+                </a:schemeClr>
+              </a:solidFill>
+              <a:effectLst>
+                <a:outerShdw blurRad="38100" dist="38100" dir="2700000" algn="tl">
+                  <a:srgbClr val="C0C0C0"/>
+                </a:outerShdw>
+              </a:effectLst>
+              <a:latin typeface="Dom Casual" charset="0"/>
+            </a:endParaRPr>
           </a:p>
         </p:txBody>
       </p:sp>
       <p:pic>
         <p:nvPicPr>
-          <p:cNvPr id="6" name="Picture 5"/>
+          <p:cNvPr id="5" name="1 Imagen">
+            <a:extLst>
+              <a:ext uri="{FF2B5EF4-FFF2-40B4-BE49-F238E27FC236}">
+                <a16:creationId xmlns:a16="http://schemas.microsoft.com/office/drawing/2014/main" id="{37068E68-732E-405B-9644-A0ED18C5990C}"/>
+              </a:ext>
+            </a:extLst>
+          </p:cNvPr>
           <p:cNvPicPr>
-            <a:picLocks noChangeAspect="1" noChangeArrowheads="1"/>
+            <a:picLocks noChangeAspect="1"/>
           </p:cNvPicPr>
           <p:nvPr/>
         </p:nvPicPr>
@@ -18433,178 +18334,30 @@
               </a:ext>
             </a:extLst>
           </a:blip>
-          <a:srcRect/>
           <a:stretch>
             <a:fillRect/>
           </a:stretch>
         </p:blipFill>
-        <p:spPr bwMode="auto">
+        <p:spPr>
           <a:xfrm>
-            <a:off x="2789139" y="3595465"/>
-            <a:ext cx="3700809" cy="2452343"/>
+            <a:off x="7020272" y="1556792"/>
+            <a:ext cx="1728192" cy="1603861"/>
           </a:xfrm>
           <a:prstGeom prst="rect">
             <a:avLst/>
           </a:prstGeom>
-          <a:noFill/>
-          <a:ln>
-            <a:noFill/>
-          </a:ln>
-          <a:extLst>
-            <a:ext uri="{909E8E84-426E-40DD-AFC4-6F175D3DCCD1}">
-              <a14:hiddenFill xmlns:a14="http://schemas.microsoft.com/office/drawing/2010/main">
-                <a:solidFill>
-                  <a:schemeClr val="accent1"/>
-                </a:solidFill>
-              </a14:hiddenFill>
-            </a:ext>
-            <a:ext uri="{91240B29-F687-4F45-9708-019B960494DF}">
-              <a14:hiddenLine xmlns:a14="http://schemas.microsoft.com/office/drawing/2010/main" w="9525">
-                <a:solidFill>
-                  <a:schemeClr val="tx1"/>
-                </a:solidFill>
-                <a:miter lim="800000"/>
-                <a:headEnd/>
-                <a:tailEnd/>
-              </a14:hiddenLine>
-            </a:ext>
-          </a:extLst>
         </p:spPr>
       </p:pic>
     </p:spTree>
     <p:extLst>
       <p:ext uri="{BB962C8B-B14F-4D97-AF65-F5344CB8AC3E}">
-        <p14:creationId xmlns:p14="http://schemas.microsoft.com/office/powerpoint/2010/main" val="60573319"/>
+        <p14:creationId xmlns:p14="http://schemas.microsoft.com/office/powerpoint/2010/main" val="1712317506"/>
       </p:ext>
     </p:extLst>
   </p:cSld>
   <p:clrMapOvr>
     <a:masterClrMapping/>
   </p:clrMapOvr>
-  <p:timing>
-    <p:tnLst>
-      <p:par>
-        <p:cTn id="1" dur="indefinite" restart="never" nodeType="tmRoot">
-          <p:childTnLst>
-            <p:seq concurrent="1" nextAc="seek">
-              <p:cTn id="2" dur="indefinite" nodeType="mainSeq">
-                <p:childTnLst>
-                  <p:par>
-                    <p:cTn id="3" fill="hold" nodeType="clickPar">
-                      <p:stCondLst>
-                        <p:cond delay="indefinite"/>
-                      </p:stCondLst>
-                      <p:childTnLst>
-                        <p:par>
-                          <p:cTn id="4" fill="hold" nodeType="withGroup">
-                            <p:stCondLst>
-                              <p:cond delay="0"/>
-                            </p:stCondLst>
-                            <p:childTnLst>
-                              <p:par>
-                                <p:cTn id="5" presetID="2" presetClass="entr" presetSubtype="8" fill="hold" grpId="0" nodeType="clickEffect">
-                                  <p:stCondLst>
-                                    <p:cond delay="0"/>
-                                  </p:stCondLst>
-                                  <p:childTnLst>
-                                    <p:set>
-                                      <p:cBhvr>
-                                        <p:cTn id="6" dur="1" fill="hold">
-                                          <p:stCondLst>
-                                            <p:cond delay="0"/>
-                                          </p:stCondLst>
-                                        </p:cTn>
-                                        <p:tgtEl>
-                                          <p:spTgt spid="233476"/>
-                                        </p:tgtEl>
-                                        <p:attrNameLst>
-                                          <p:attrName>style.visibility</p:attrName>
-                                        </p:attrNameLst>
-                                      </p:cBhvr>
-                                      <p:to>
-                                        <p:strVal val="visible"/>
-                                      </p:to>
-                                    </p:set>
-                                    <p:anim calcmode="lin" valueType="num">
-                                      <p:cBhvr additive="base">
-                                        <p:cTn id="7" dur="500" fill="hold"/>
-                                        <p:tgtEl>
-                                          <p:spTgt spid="233476"/>
-                                        </p:tgtEl>
-                                        <p:attrNameLst>
-                                          <p:attrName>ppt_x</p:attrName>
-                                        </p:attrNameLst>
-                                      </p:cBhvr>
-                                      <p:tavLst>
-                                        <p:tav tm="0">
-                                          <p:val>
-                                            <p:strVal val="0-#ppt_w/2"/>
-                                          </p:val>
-                                        </p:tav>
-                                        <p:tav tm="100000">
-                                          <p:val>
-                                            <p:strVal val="#ppt_x"/>
-                                          </p:val>
-                                        </p:tav>
-                                      </p:tavLst>
-                                    </p:anim>
-                                    <p:anim calcmode="lin" valueType="num">
-                                      <p:cBhvr additive="base">
-                                        <p:cTn id="8" dur="500" fill="hold"/>
-                                        <p:tgtEl>
-                                          <p:spTgt spid="233476"/>
-                                        </p:tgtEl>
-                                        <p:attrNameLst>
-                                          <p:attrName>ppt_y</p:attrName>
-                                        </p:attrNameLst>
-                                      </p:cBhvr>
-                                      <p:tavLst>
-                                        <p:tav tm="0">
-                                          <p:val>
-                                            <p:strVal val="#ppt_y"/>
-                                          </p:val>
-                                        </p:tav>
-                                        <p:tav tm="100000">
-                                          <p:val>
-                                            <p:strVal val="#ppt_y"/>
-                                          </p:val>
-                                        </p:tav>
-                                      </p:tavLst>
-                                    </p:anim>
-                                  </p:childTnLst>
-                                </p:cTn>
-                              </p:par>
-                            </p:childTnLst>
-                          </p:cTn>
-                        </p:par>
-                      </p:childTnLst>
-                    </p:cTn>
-                  </p:par>
-                </p:childTnLst>
-              </p:cTn>
-              <p:prevCondLst>
-                <p:cond evt="onPrev" delay="0">
-                  <p:tgtEl>
-                    <p:sldTgt/>
-                  </p:tgtEl>
-                </p:cond>
-              </p:prevCondLst>
-              <p:nextCondLst>
-                <p:cond evt="onNext" delay="0">
-                  <p:tgtEl>
-                    <p:sldTgt/>
-                  </p:tgtEl>
-                </p:cond>
-              </p:nextCondLst>
-            </p:seq>
-          </p:childTnLst>
-        </p:cTn>
-      </p:par>
-    </p:tnLst>
-    <p:bldLst>
-      <p:bldP spid="233476" grpId="0" autoUpdateAnimBg="0"/>
-    </p:bldLst>
-  </p:timing>
 </p:sld>
 </file>
 
@@ -20667,6 +20420,483 @@
 </file>
 
 <file path=ppt/slides/slide20.xml><?xml version="1.0" encoding="utf-8"?>
+<p:sld xmlns:a="http://schemas.openxmlformats.org/drawingml/2006/main" xmlns:r="http://schemas.openxmlformats.org/officeDocument/2006/relationships" xmlns:p="http://schemas.openxmlformats.org/presentationml/2006/main">
+  <p:cSld>
+    <p:spTree>
+      <p:nvGrpSpPr>
+        <p:cNvPr id="1" name=""/>
+        <p:cNvGrpSpPr/>
+        <p:nvPr/>
+      </p:nvGrpSpPr>
+      <p:grpSpPr>
+        <a:xfrm>
+          <a:off x="0" y="0"/>
+          <a:ext cx="0" cy="0"/>
+          <a:chOff x="0" y="0"/>
+          <a:chExt cx="0" cy="0"/>
+        </a:xfrm>
+      </p:grpSpPr>
+      <p:sp>
+        <p:nvSpPr>
+          <p:cNvPr id="233476" name="Text Box 4"/>
+          <p:cNvSpPr txBox="1">
+            <a:spLocks noChangeArrowheads="1"/>
+          </p:cNvSpPr>
+          <p:nvPr/>
+        </p:nvSpPr>
+        <p:spPr bwMode="auto">
+          <a:xfrm>
+            <a:off x="1255168" y="1599138"/>
+            <a:ext cx="6768752" cy="1685846"/>
+          </a:xfrm>
+          <a:prstGeom prst="rect">
+            <a:avLst/>
+          </a:prstGeom>
+          <a:noFill/>
+          <a:ln>
+            <a:noFill/>
+          </a:ln>
+          <a:effectLst/>
+          <a:extLst>
+            <a:ext uri="{909E8E84-426E-40DD-AFC4-6F175D3DCCD1}">
+              <a14:hiddenFill xmlns:a14="http://schemas.microsoft.com/office/drawing/2010/main">
+                <a:solidFill>
+                  <a:schemeClr val="accent1"/>
+                </a:solidFill>
+              </a14:hiddenFill>
+            </a:ext>
+            <a:ext uri="{91240B29-F687-4F45-9708-019B960494DF}">
+              <a14:hiddenLine xmlns:a14="http://schemas.microsoft.com/office/drawing/2010/main" w="12700">
+                <a:solidFill>
+                  <a:schemeClr val="tx1"/>
+                </a:solidFill>
+                <a:miter lim="800000"/>
+                <a:headEnd type="none" w="sm" len="sm"/>
+                <a:tailEnd type="none" w="sm" len="sm"/>
+              </a14:hiddenLine>
+            </a:ext>
+            <a:ext uri="{AF507438-7753-43E0-B8FC-AC1667EBCBE1}">
+              <a14:hiddenEffects xmlns:a14="http://schemas.microsoft.com/office/drawing/2010/main">
+                <a:effectLst>
+                  <a:outerShdw dist="35921" dir="2700000" algn="ctr" rotWithShape="0">
+                    <a:schemeClr val="bg2"/>
+                  </a:outerShdw>
+                </a:effectLst>
+              </a14:hiddenEffects>
+            </a:ext>
+          </a:extLst>
+        </p:spPr>
+        <p:txBody>
+          <a:bodyPr wrap="square">
+            <a:spAutoFit/>
+          </a:bodyPr>
+          <a:lstStyle>
+            <a:lvl1pPr defTabSz="762000" eaLnBrk="0" hangingPunct="0">
+              <a:defRPr sz="1600">
+                <a:solidFill>
+                  <a:schemeClr val="tx1"/>
+                </a:solidFill>
+                <a:latin typeface="Arial" pitchFamily="34" charset="0"/>
+              </a:defRPr>
+            </a:lvl1pPr>
+            <a:lvl2pPr marL="742950" indent="-285750" defTabSz="762000" eaLnBrk="0" hangingPunct="0">
+              <a:defRPr sz="1600">
+                <a:solidFill>
+                  <a:schemeClr val="tx1"/>
+                </a:solidFill>
+                <a:latin typeface="Arial" pitchFamily="34" charset="0"/>
+              </a:defRPr>
+            </a:lvl2pPr>
+            <a:lvl3pPr marL="1143000" indent="-228600" defTabSz="762000" eaLnBrk="0" hangingPunct="0">
+              <a:defRPr sz="1600">
+                <a:solidFill>
+                  <a:schemeClr val="tx1"/>
+                </a:solidFill>
+                <a:latin typeface="Arial" pitchFamily="34" charset="0"/>
+              </a:defRPr>
+            </a:lvl3pPr>
+            <a:lvl4pPr marL="1600200" indent="-228600" defTabSz="762000" eaLnBrk="0" hangingPunct="0">
+              <a:defRPr sz="1600">
+                <a:solidFill>
+                  <a:schemeClr val="tx1"/>
+                </a:solidFill>
+                <a:latin typeface="Arial" pitchFamily="34" charset="0"/>
+              </a:defRPr>
+            </a:lvl4pPr>
+            <a:lvl5pPr marL="2057400" indent="-228600" defTabSz="762000" eaLnBrk="0" hangingPunct="0">
+              <a:defRPr sz="1600">
+                <a:solidFill>
+                  <a:schemeClr val="tx1"/>
+                </a:solidFill>
+                <a:latin typeface="Arial" pitchFamily="34" charset="0"/>
+              </a:defRPr>
+            </a:lvl5pPr>
+            <a:lvl6pPr marL="2514600" indent="-228600" defTabSz="762000" eaLnBrk="0" fontAlgn="base" hangingPunct="0">
+              <a:spcBef>
+                <a:spcPct val="0"/>
+              </a:spcBef>
+              <a:spcAft>
+                <a:spcPct val="0"/>
+              </a:spcAft>
+              <a:defRPr sz="1600">
+                <a:solidFill>
+                  <a:schemeClr val="tx1"/>
+                </a:solidFill>
+                <a:latin typeface="Arial" pitchFamily="34" charset="0"/>
+              </a:defRPr>
+            </a:lvl6pPr>
+            <a:lvl7pPr marL="2971800" indent="-228600" defTabSz="762000" eaLnBrk="0" fontAlgn="base" hangingPunct="0">
+              <a:spcBef>
+                <a:spcPct val="0"/>
+              </a:spcBef>
+              <a:spcAft>
+                <a:spcPct val="0"/>
+              </a:spcAft>
+              <a:defRPr sz="1600">
+                <a:solidFill>
+                  <a:schemeClr val="tx1"/>
+                </a:solidFill>
+                <a:latin typeface="Arial" pitchFamily="34" charset="0"/>
+              </a:defRPr>
+            </a:lvl7pPr>
+            <a:lvl8pPr marL="3429000" indent="-228600" defTabSz="762000" eaLnBrk="0" fontAlgn="base" hangingPunct="0">
+              <a:spcBef>
+                <a:spcPct val="0"/>
+              </a:spcBef>
+              <a:spcAft>
+                <a:spcPct val="0"/>
+              </a:spcAft>
+              <a:defRPr sz="1600">
+                <a:solidFill>
+                  <a:schemeClr val="tx1"/>
+                </a:solidFill>
+                <a:latin typeface="Arial" pitchFamily="34" charset="0"/>
+              </a:defRPr>
+            </a:lvl8pPr>
+            <a:lvl9pPr marL="3886200" indent="-228600" defTabSz="762000" eaLnBrk="0" fontAlgn="base" hangingPunct="0">
+              <a:spcBef>
+                <a:spcPct val="0"/>
+              </a:spcBef>
+              <a:spcAft>
+                <a:spcPct val="0"/>
+              </a:spcAft>
+              <a:defRPr sz="1600">
+                <a:solidFill>
+                  <a:schemeClr val="tx1"/>
+                </a:solidFill>
+                <a:latin typeface="Arial" pitchFamily="34" charset="0"/>
+              </a:defRPr>
+            </a:lvl9pPr>
+          </a:lstStyle>
+          <a:p>
+            <a:pPr algn="ctr" eaLnBrk="1" hangingPunct="1">
+              <a:lnSpc>
+                <a:spcPct val="150000"/>
+              </a:lnSpc>
+              <a:buClr>
+                <a:schemeClr val="accent1"/>
+              </a:buClr>
+              <a:buSzPct val="80000"/>
+              <a:buFont typeface="Wingdings" pitchFamily="2" charset="2"/>
+              <a:buNone/>
+            </a:pPr>
+            <a:r>
+              <a:rPr lang="es-ES_tradnl" sz="2400" dirty="0">
+                <a:solidFill>
+                  <a:schemeClr val="bg2">
+                    <a:lumMod val="25000"/>
+                  </a:schemeClr>
+                </a:solidFill>
+              </a:rPr>
+              <a:t>Escriba el código de la función </a:t>
+            </a:r>
+            <a:r>
+              <a:rPr lang="es-ES_tradnl" sz="2400" b="1" dirty="0" err="1">
+                <a:solidFill>
+                  <a:srgbClr val="FF0000"/>
+                </a:solidFill>
+              </a:rPr>
+              <a:t>imprime_matriz</a:t>
+            </a:r>
+            <a:r>
+              <a:rPr lang="es-ES_tradnl" sz="2400" dirty="0">
+                <a:solidFill>
+                  <a:schemeClr val="bg2">
+                    <a:lumMod val="25000"/>
+                  </a:schemeClr>
+                </a:solidFill>
+              </a:rPr>
+              <a:t>, que recibe una matriz de enteros de enteros y despliega en pantalla el contenido de la matriz.</a:t>
+            </a:r>
+          </a:p>
+        </p:txBody>
+      </p:sp>
+      <p:sp>
+        <p:nvSpPr>
+          <p:cNvPr id="5" name="Rectangle 2"/>
+          <p:cNvSpPr>
+            <a:spLocks noChangeArrowheads="1"/>
+          </p:cNvSpPr>
+          <p:nvPr/>
+        </p:nvSpPr>
+        <p:spPr bwMode="auto">
+          <a:xfrm>
+            <a:off x="611560" y="379070"/>
+            <a:ext cx="7772400" cy="1008112"/>
+          </a:xfrm>
+          <a:prstGeom prst="rect">
+            <a:avLst/>
+          </a:prstGeom>
+          <a:noFill/>
+          <a:ln>
+            <a:noFill/>
+          </a:ln>
+          <a:effectLst/>
+          <a:extLst>
+            <a:ext uri="{909E8E84-426E-40DD-AFC4-6F175D3DCCD1}">
+              <a14:hiddenFill xmlns:a14="http://schemas.microsoft.com/office/drawing/2010/main">
+                <a:solidFill>
+                  <a:schemeClr val="accent1"/>
+                </a:solidFill>
+              </a14:hiddenFill>
+            </a:ext>
+            <a:ext uri="{91240B29-F687-4F45-9708-019B960494DF}">
+              <a14:hiddenLine xmlns:a14="http://schemas.microsoft.com/office/drawing/2010/main" w="9525">
+                <a:solidFill>
+                  <a:schemeClr val="tx1"/>
+                </a:solidFill>
+                <a:miter lim="800000"/>
+                <a:headEnd/>
+                <a:tailEnd/>
+              </a14:hiddenLine>
+            </a:ext>
+            <a:ext uri="{AF507438-7753-43E0-B8FC-AC1667EBCBE1}">
+              <a14:hiddenEffects xmlns:a14="http://schemas.microsoft.com/office/drawing/2010/main">
+                <a:effectLst>
+                  <a:outerShdw dist="35921" dir="2700000" algn="ctr" rotWithShape="0">
+                    <a:schemeClr val="bg2"/>
+                  </a:outerShdw>
+                </a:effectLst>
+              </a14:hiddenEffects>
+            </a:ext>
+          </a:extLst>
+        </p:spPr>
+        <p:txBody>
+          <a:bodyPr lIns="92075" tIns="46038" rIns="92075" bIns="46038" anchor="ctr"/>
+          <a:lstStyle/>
+          <a:p>
+            <a:pPr algn="ctr" eaLnBrk="0" hangingPunct="0">
+              <a:defRPr/>
+            </a:pPr>
+            <a:r>
+              <a:rPr lang="es-ES_tradnl" sz="4400" b="1" dirty="0">
+                <a:solidFill>
+                  <a:srgbClr val="0070C0"/>
+                </a:solidFill>
+                <a:effectLst>
+                  <a:outerShdw blurRad="38100" dist="38100" dir="2700000" algn="tl">
+                    <a:srgbClr val="C0C0C0"/>
+                  </a:outerShdw>
+                </a:effectLst>
+                <a:latin typeface="Dom Casual" charset="0"/>
+              </a:rPr>
+              <a:t>Actividad Grupal</a:t>
+            </a:r>
+          </a:p>
+        </p:txBody>
+      </p:sp>
+      <p:pic>
+        <p:nvPicPr>
+          <p:cNvPr id="6" name="Picture 5"/>
+          <p:cNvPicPr>
+            <a:picLocks noChangeAspect="1" noChangeArrowheads="1"/>
+          </p:cNvPicPr>
+          <p:nvPr/>
+        </p:nvPicPr>
+        <p:blipFill>
+          <a:blip r:embed="rId3">
+            <a:extLst>
+              <a:ext uri="{28A0092B-C50C-407E-A947-70E740481C1C}">
+                <a14:useLocalDpi xmlns:a14="http://schemas.microsoft.com/office/drawing/2010/main" val="0"/>
+              </a:ext>
+            </a:extLst>
+          </a:blip>
+          <a:srcRect/>
+          <a:stretch>
+            <a:fillRect/>
+          </a:stretch>
+        </p:blipFill>
+        <p:spPr bwMode="auto">
+          <a:xfrm>
+            <a:off x="2789139" y="3595465"/>
+            <a:ext cx="3700809" cy="2452343"/>
+          </a:xfrm>
+          <a:prstGeom prst="rect">
+            <a:avLst/>
+          </a:prstGeom>
+          <a:noFill/>
+          <a:ln>
+            <a:noFill/>
+          </a:ln>
+          <a:extLst>
+            <a:ext uri="{909E8E84-426E-40DD-AFC4-6F175D3DCCD1}">
+              <a14:hiddenFill xmlns:a14="http://schemas.microsoft.com/office/drawing/2010/main">
+                <a:solidFill>
+                  <a:schemeClr val="accent1"/>
+                </a:solidFill>
+              </a14:hiddenFill>
+            </a:ext>
+            <a:ext uri="{91240B29-F687-4F45-9708-019B960494DF}">
+              <a14:hiddenLine xmlns:a14="http://schemas.microsoft.com/office/drawing/2010/main" w="9525">
+                <a:solidFill>
+                  <a:schemeClr val="tx1"/>
+                </a:solidFill>
+                <a:miter lim="800000"/>
+                <a:headEnd/>
+                <a:tailEnd/>
+              </a14:hiddenLine>
+            </a:ext>
+          </a:extLst>
+        </p:spPr>
+      </p:pic>
+    </p:spTree>
+    <p:extLst>
+      <p:ext uri="{BB962C8B-B14F-4D97-AF65-F5344CB8AC3E}">
+        <p14:creationId xmlns:p14="http://schemas.microsoft.com/office/powerpoint/2010/main" val="60573319"/>
+      </p:ext>
+    </p:extLst>
+  </p:cSld>
+  <p:clrMapOvr>
+    <a:masterClrMapping/>
+  </p:clrMapOvr>
+  <p:timing>
+    <p:tnLst>
+      <p:par>
+        <p:cTn id="1" dur="indefinite" restart="never" nodeType="tmRoot">
+          <p:childTnLst>
+            <p:seq concurrent="1" nextAc="seek">
+              <p:cTn id="2" dur="indefinite" nodeType="mainSeq">
+                <p:childTnLst>
+                  <p:par>
+                    <p:cTn id="3" fill="hold" nodeType="clickPar">
+                      <p:stCondLst>
+                        <p:cond delay="indefinite"/>
+                      </p:stCondLst>
+                      <p:childTnLst>
+                        <p:par>
+                          <p:cTn id="4" fill="hold" nodeType="withGroup">
+                            <p:stCondLst>
+                              <p:cond delay="0"/>
+                            </p:stCondLst>
+                            <p:childTnLst>
+                              <p:par>
+                                <p:cTn id="5" presetID="2" presetClass="entr" presetSubtype="8" fill="hold" grpId="0" nodeType="clickEffect">
+                                  <p:stCondLst>
+                                    <p:cond delay="0"/>
+                                  </p:stCondLst>
+                                  <p:childTnLst>
+                                    <p:set>
+                                      <p:cBhvr>
+                                        <p:cTn id="6" dur="1" fill="hold">
+                                          <p:stCondLst>
+                                            <p:cond delay="0"/>
+                                          </p:stCondLst>
+                                        </p:cTn>
+                                        <p:tgtEl>
+                                          <p:spTgt spid="233476"/>
+                                        </p:tgtEl>
+                                        <p:attrNameLst>
+                                          <p:attrName>style.visibility</p:attrName>
+                                        </p:attrNameLst>
+                                      </p:cBhvr>
+                                      <p:to>
+                                        <p:strVal val="visible"/>
+                                      </p:to>
+                                    </p:set>
+                                    <p:anim calcmode="lin" valueType="num">
+                                      <p:cBhvr additive="base">
+                                        <p:cTn id="7" dur="500" fill="hold"/>
+                                        <p:tgtEl>
+                                          <p:spTgt spid="233476"/>
+                                        </p:tgtEl>
+                                        <p:attrNameLst>
+                                          <p:attrName>ppt_x</p:attrName>
+                                        </p:attrNameLst>
+                                      </p:cBhvr>
+                                      <p:tavLst>
+                                        <p:tav tm="0">
+                                          <p:val>
+                                            <p:strVal val="0-#ppt_w/2"/>
+                                          </p:val>
+                                        </p:tav>
+                                        <p:tav tm="100000">
+                                          <p:val>
+                                            <p:strVal val="#ppt_x"/>
+                                          </p:val>
+                                        </p:tav>
+                                      </p:tavLst>
+                                    </p:anim>
+                                    <p:anim calcmode="lin" valueType="num">
+                                      <p:cBhvr additive="base">
+                                        <p:cTn id="8" dur="500" fill="hold"/>
+                                        <p:tgtEl>
+                                          <p:spTgt spid="233476"/>
+                                        </p:tgtEl>
+                                        <p:attrNameLst>
+                                          <p:attrName>ppt_y</p:attrName>
+                                        </p:attrNameLst>
+                                      </p:cBhvr>
+                                      <p:tavLst>
+                                        <p:tav tm="0">
+                                          <p:val>
+                                            <p:strVal val="#ppt_y"/>
+                                          </p:val>
+                                        </p:tav>
+                                        <p:tav tm="100000">
+                                          <p:val>
+                                            <p:strVal val="#ppt_y"/>
+                                          </p:val>
+                                        </p:tav>
+                                      </p:tavLst>
+                                    </p:anim>
+                                  </p:childTnLst>
+                                </p:cTn>
+                              </p:par>
+                            </p:childTnLst>
+                          </p:cTn>
+                        </p:par>
+                      </p:childTnLst>
+                    </p:cTn>
+                  </p:par>
+                </p:childTnLst>
+              </p:cTn>
+              <p:prevCondLst>
+                <p:cond evt="onPrev" delay="0">
+                  <p:tgtEl>
+                    <p:sldTgt/>
+                  </p:tgtEl>
+                </p:cond>
+              </p:prevCondLst>
+              <p:nextCondLst>
+                <p:cond evt="onNext" delay="0">
+                  <p:tgtEl>
+                    <p:sldTgt/>
+                  </p:tgtEl>
+                </p:cond>
+              </p:nextCondLst>
+            </p:seq>
+          </p:childTnLst>
+        </p:cTn>
+      </p:par>
+    </p:tnLst>
+    <p:bldLst>
+      <p:bldP spid="233476" grpId="0" autoUpdateAnimBg="0"/>
+    </p:bldLst>
+  </p:timing>
+</p:sld>
+</file>
+
+<file path=ppt/slides/slide21.xml><?xml version="1.0" encoding="utf-8"?>
 <p:sld xmlns:a="http://schemas.openxmlformats.org/drawingml/2006/main" xmlns:r="http://schemas.openxmlformats.org/officeDocument/2006/relationships" xmlns:p="http://schemas.openxmlformats.org/presentationml/2006/main" showMasterPhAnim="0">
   <p:cSld>
     <p:spTree>
@@ -20956,7 +21186,7 @@
                 <a:latin typeface="Arial" pitchFamily="34" charset="0"/>
                 <a:cs typeface="Arial" pitchFamily="34" charset="0"/>
               </a:rPr>
-              <a:t>imprimeMatriz</a:t>
+              <a:t>imprime_matriz</a:t>
             </a:r>
             <a:r>
               <a:rPr lang="es-ES_tradnl" sz="2400" b="1" dirty="0">
@@ -22446,7 +22676,7 @@
 </p:sld>
 </file>
 
-<file path=ppt/slides/slide21.xml><?xml version="1.0" encoding="utf-8"?>
+<file path=ppt/slides/slide22.xml><?xml version="1.0" encoding="utf-8"?>
 <p:sld xmlns:a="http://schemas.openxmlformats.org/drawingml/2006/main" xmlns:r="http://schemas.openxmlformats.org/officeDocument/2006/relationships" xmlns:p="http://schemas.openxmlformats.org/presentationml/2006/main">
   <p:cSld>
     <p:spTree>
@@ -22642,12 +22872,12 @@
               <a:t>Escriba el código de la función </a:t>
             </a:r>
             <a:r>
-              <a:rPr lang="es-ES_tradnl" sz="2400" b="1" dirty="0">
+              <a:rPr lang="es-ES_tradnl" sz="2400" b="1" dirty="0" err="1">
                 <a:solidFill>
                   <a:srgbClr val="FF3300"/>
                 </a:solidFill>
               </a:rPr>
-              <a:t>iniciaMatriz2</a:t>
+              <a:t>inicia_matriz</a:t>
             </a:r>
             <a:r>
               <a:rPr lang="es-ES_tradnl" sz="2400" dirty="0"/>
@@ -25663,7 +25893,7 @@
 </p:sld>
 </file>
 
-<file path=ppt/slides/slide22.xml><?xml version="1.0" encoding="utf-8"?>
+<file path=ppt/slides/slide23.xml><?xml version="1.0" encoding="utf-8"?>
 <p:sld xmlns:a="http://schemas.openxmlformats.org/drawingml/2006/main" xmlns:r="http://schemas.openxmlformats.org/officeDocument/2006/relationships" xmlns:p="http://schemas.openxmlformats.org/presentationml/2006/main" showMasterPhAnim="0">
   <p:cSld>
     <p:spTree>
@@ -25946,14 +26176,14 @@
               <a:t> </a:t>
             </a:r>
             <a:r>
-              <a:rPr lang="es-ES_tradnl" sz="2800" b="1" dirty="0">
+              <a:rPr lang="es-ES_tradnl" sz="2800" b="1" dirty="0" err="1">
                 <a:solidFill>
                   <a:srgbClr val="0070C0"/>
                 </a:solidFill>
                 <a:latin typeface="Arial" pitchFamily="34" charset="0"/>
                 <a:cs typeface="Arial" pitchFamily="34" charset="0"/>
               </a:rPr>
-              <a:t>iniciaMatriz2</a:t>
+              <a:t>inicia_matriz</a:t>
             </a:r>
             <a:r>
               <a:rPr lang="es-ES_tradnl" sz="2800" b="1" dirty="0">
@@ -27162,7 +27392,7 @@
 </p:sld>
 </file>
 
-<file path=ppt/slides/slide23.xml><?xml version="1.0" encoding="utf-8"?>
+<file path=ppt/slides/slide24.xml><?xml version="1.0" encoding="utf-8"?>
 <p:sld xmlns:a="http://schemas.openxmlformats.org/drawingml/2006/main" xmlns:r="http://schemas.openxmlformats.org/officeDocument/2006/relationships" xmlns:p="http://schemas.openxmlformats.org/presentationml/2006/main">
   <p:cSld>
     <p:spTree>
@@ -31385,7 +31615,7 @@
 </p:sld>
 </file>
 
-<file path=ppt/slides/slide24.xml><?xml version="1.0" encoding="utf-8"?>
+<file path=ppt/slides/slide25.xml><?xml version="1.0" encoding="utf-8"?>
 <p:sld xmlns:a="http://schemas.openxmlformats.org/drawingml/2006/main" xmlns:r="http://schemas.openxmlformats.org/officeDocument/2006/relationships" xmlns:p="http://schemas.openxmlformats.org/presentationml/2006/main" showMasterPhAnim="0">
   <p:cSld>
     <p:spTree>
@@ -33428,504 +33658,6 @@
     </p:tnLst>
     <p:bldLst>
       <p:bldP spid="8" grpId="0" build="p" autoUpdateAnimBg="0"/>
-    </p:bldLst>
-  </p:timing>
-</p:sld>
-</file>
-
-<file path=ppt/slides/slide25.xml><?xml version="1.0" encoding="utf-8"?>
-<p:sld xmlns:a="http://schemas.openxmlformats.org/drawingml/2006/main" xmlns:r="http://schemas.openxmlformats.org/officeDocument/2006/relationships" xmlns:p="http://schemas.openxmlformats.org/presentationml/2006/main">
-  <p:cSld>
-    <p:spTree>
-      <p:nvGrpSpPr>
-        <p:cNvPr id="1" name=""/>
-        <p:cNvGrpSpPr/>
-        <p:nvPr/>
-      </p:nvGrpSpPr>
-      <p:grpSpPr>
-        <a:xfrm>
-          <a:off x="0" y="0"/>
-          <a:ext cx="0" cy="0"/>
-          <a:chOff x="0" y="0"/>
-          <a:chExt cx="0" cy="0"/>
-        </a:xfrm>
-      </p:grpSpPr>
-      <p:sp>
-        <p:nvSpPr>
-          <p:cNvPr id="239620" name="Text Box 4"/>
-          <p:cNvSpPr txBox="1">
-            <a:spLocks noChangeArrowheads="1"/>
-          </p:cNvSpPr>
-          <p:nvPr/>
-        </p:nvSpPr>
-        <p:spPr bwMode="auto">
-          <a:xfrm>
-            <a:off x="699690" y="1713133"/>
-            <a:ext cx="8064896" cy="1685846"/>
-          </a:xfrm>
-          <a:prstGeom prst="rect">
-            <a:avLst/>
-          </a:prstGeom>
-          <a:noFill/>
-          <a:ln>
-            <a:noFill/>
-          </a:ln>
-          <a:effectLst/>
-          <a:extLst>
-            <a:ext uri="{909E8E84-426E-40DD-AFC4-6F175D3DCCD1}">
-              <a14:hiddenFill xmlns:a14="http://schemas.microsoft.com/office/drawing/2010/main">
-                <a:solidFill>
-                  <a:schemeClr val="accent1"/>
-                </a:solidFill>
-              </a14:hiddenFill>
-            </a:ext>
-            <a:ext uri="{91240B29-F687-4F45-9708-019B960494DF}">
-              <a14:hiddenLine xmlns:a14="http://schemas.microsoft.com/office/drawing/2010/main" w="12700">
-                <a:solidFill>
-                  <a:schemeClr val="tx1"/>
-                </a:solidFill>
-                <a:miter lim="800000"/>
-                <a:headEnd type="none" w="sm" len="sm"/>
-                <a:tailEnd type="none" w="sm" len="sm"/>
-              </a14:hiddenLine>
-            </a:ext>
-            <a:ext uri="{AF507438-7753-43E0-B8FC-AC1667EBCBE1}">
-              <a14:hiddenEffects xmlns:a14="http://schemas.microsoft.com/office/drawing/2010/main">
-                <a:effectLst>
-                  <a:outerShdw dist="35921" dir="2700000" algn="ctr" rotWithShape="0">
-                    <a:schemeClr val="bg2"/>
-                  </a:outerShdw>
-                </a:effectLst>
-              </a14:hiddenEffects>
-            </a:ext>
-          </a:extLst>
-        </p:spPr>
-        <p:txBody>
-          <a:bodyPr wrap="square">
-            <a:spAutoFit/>
-          </a:bodyPr>
-          <a:lstStyle>
-            <a:lvl1pPr marL="457200" indent="-457200" defTabSz="762000" eaLnBrk="0" hangingPunct="0">
-              <a:defRPr sz="1600">
-                <a:solidFill>
-                  <a:schemeClr val="tx1"/>
-                </a:solidFill>
-                <a:latin typeface="Arial" pitchFamily="34" charset="0"/>
-              </a:defRPr>
-            </a:lvl1pPr>
-            <a:lvl2pPr marL="742950" indent="-285750" defTabSz="762000" eaLnBrk="0" hangingPunct="0">
-              <a:defRPr sz="1600">
-                <a:solidFill>
-                  <a:schemeClr val="tx1"/>
-                </a:solidFill>
-                <a:latin typeface="Arial" pitchFamily="34" charset="0"/>
-              </a:defRPr>
-            </a:lvl2pPr>
-            <a:lvl3pPr marL="1143000" indent="-228600" defTabSz="762000" eaLnBrk="0" hangingPunct="0">
-              <a:defRPr sz="1600">
-                <a:solidFill>
-                  <a:schemeClr val="tx1"/>
-                </a:solidFill>
-                <a:latin typeface="Arial" pitchFamily="34" charset="0"/>
-              </a:defRPr>
-            </a:lvl3pPr>
-            <a:lvl4pPr marL="1600200" indent="-228600" defTabSz="762000" eaLnBrk="0" hangingPunct="0">
-              <a:defRPr sz="1600">
-                <a:solidFill>
-                  <a:schemeClr val="tx1"/>
-                </a:solidFill>
-                <a:latin typeface="Arial" pitchFamily="34" charset="0"/>
-              </a:defRPr>
-            </a:lvl4pPr>
-            <a:lvl5pPr marL="2057400" indent="-228600" defTabSz="762000" eaLnBrk="0" hangingPunct="0">
-              <a:defRPr sz="1600">
-                <a:solidFill>
-                  <a:schemeClr val="tx1"/>
-                </a:solidFill>
-                <a:latin typeface="Arial" pitchFamily="34" charset="0"/>
-              </a:defRPr>
-            </a:lvl5pPr>
-            <a:lvl6pPr marL="2514600" indent="-228600" defTabSz="762000" eaLnBrk="0" fontAlgn="base" hangingPunct="0">
-              <a:spcBef>
-                <a:spcPct val="0"/>
-              </a:spcBef>
-              <a:spcAft>
-                <a:spcPct val="0"/>
-              </a:spcAft>
-              <a:defRPr sz="1600">
-                <a:solidFill>
-                  <a:schemeClr val="tx1"/>
-                </a:solidFill>
-                <a:latin typeface="Arial" pitchFamily="34" charset="0"/>
-              </a:defRPr>
-            </a:lvl6pPr>
-            <a:lvl7pPr marL="2971800" indent="-228600" defTabSz="762000" eaLnBrk="0" fontAlgn="base" hangingPunct="0">
-              <a:spcBef>
-                <a:spcPct val="0"/>
-              </a:spcBef>
-              <a:spcAft>
-                <a:spcPct val="0"/>
-              </a:spcAft>
-              <a:defRPr sz="1600">
-                <a:solidFill>
-                  <a:schemeClr val="tx1"/>
-                </a:solidFill>
-                <a:latin typeface="Arial" pitchFamily="34" charset="0"/>
-              </a:defRPr>
-            </a:lvl7pPr>
-            <a:lvl8pPr marL="3429000" indent="-228600" defTabSz="762000" eaLnBrk="0" fontAlgn="base" hangingPunct="0">
-              <a:spcBef>
-                <a:spcPct val="0"/>
-              </a:spcBef>
-              <a:spcAft>
-                <a:spcPct val="0"/>
-              </a:spcAft>
-              <a:defRPr sz="1600">
-                <a:solidFill>
-                  <a:schemeClr val="tx1"/>
-                </a:solidFill>
-                <a:latin typeface="Arial" pitchFamily="34" charset="0"/>
-              </a:defRPr>
-            </a:lvl8pPr>
-            <a:lvl9pPr marL="3886200" indent="-228600" defTabSz="762000" eaLnBrk="0" fontAlgn="base" hangingPunct="0">
-              <a:spcBef>
-                <a:spcPct val="0"/>
-              </a:spcBef>
-              <a:spcAft>
-                <a:spcPct val="0"/>
-              </a:spcAft>
-              <a:defRPr sz="1600">
-                <a:solidFill>
-                  <a:schemeClr val="tx1"/>
-                </a:solidFill>
-                <a:latin typeface="Arial" pitchFamily="34" charset="0"/>
-              </a:defRPr>
-            </a:lvl9pPr>
-          </a:lstStyle>
-          <a:p>
-            <a:pPr algn="ctr">
-              <a:lnSpc>
-                <a:spcPct val="150000"/>
-              </a:lnSpc>
-            </a:pPr>
-            <a:r>
-              <a:rPr lang="es-ES_tradnl" sz="2400" dirty="0">
-                <a:solidFill>
-                  <a:schemeClr val="bg2">
-                    <a:lumMod val="25000"/>
-                  </a:schemeClr>
-                </a:solidFill>
-                <a:cs typeface="Arial" pitchFamily="34" charset="0"/>
-              </a:rPr>
-              <a:t>Integrar todas las funciones vistas</a:t>
-            </a:r>
-          </a:p>
-          <a:p>
-            <a:pPr algn="ctr">
-              <a:lnSpc>
-                <a:spcPct val="150000"/>
-              </a:lnSpc>
-            </a:pPr>
-            <a:r>
-              <a:rPr lang="es-ES_tradnl" sz="2400" dirty="0">
-                <a:solidFill>
-                  <a:schemeClr val="bg2">
-                    <a:lumMod val="25000"/>
-                  </a:schemeClr>
-                </a:solidFill>
-                <a:cs typeface="Arial" pitchFamily="34" charset="0"/>
-              </a:rPr>
-              <a:t>anteriormente en un solo programa para</a:t>
-            </a:r>
-          </a:p>
-          <a:p>
-            <a:pPr algn="ctr">
-              <a:lnSpc>
-                <a:spcPct val="150000"/>
-              </a:lnSpc>
-            </a:pPr>
-            <a:r>
-              <a:rPr lang="es-ES_tradnl" sz="2400" dirty="0">
-                <a:solidFill>
-                  <a:schemeClr val="bg2">
-                    <a:lumMod val="25000"/>
-                  </a:schemeClr>
-                </a:solidFill>
-                <a:cs typeface="Arial" pitchFamily="34" charset="0"/>
-              </a:rPr>
-              <a:t>verificar su funcionamiento.</a:t>
-            </a:r>
-            <a:endParaRPr lang="es-ES" sz="2400" b="1" dirty="0">
-              <a:solidFill>
-                <a:schemeClr val="bg2">
-                  <a:lumMod val="25000"/>
-                </a:schemeClr>
-              </a:solidFill>
-              <a:cs typeface="Arial" pitchFamily="34" charset="0"/>
-            </a:endParaRPr>
-          </a:p>
-        </p:txBody>
-      </p:sp>
-      <p:sp>
-        <p:nvSpPr>
-          <p:cNvPr id="5" name="Rectangle 2"/>
-          <p:cNvSpPr>
-            <a:spLocks noChangeArrowheads="1"/>
-          </p:cNvSpPr>
-          <p:nvPr/>
-        </p:nvSpPr>
-        <p:spPr bwMode="auto">
-          <a:xfrm>
-            <a:off x="832048" y="548680"/>
-            <a:ext cx="7772400" cy="1008112"/>
-          </a:xfrm>
-          <a:prstGeom prst="rect">
-            <a:avLst/>
-          </a:prstGeom>
-          <a:noFill/>
-          <a:ln>
-            <a:noFill/>
-          </a:ln>
-          <a:effectLst/>
-          <a:extLst>
-            <a:ext uri="{909E8E84-426E-40DD-AFC4-6F175D3DCCD1}">
-              <a14:hiddenFill xmlns:a14="http://schemas.microsoft.com/office/drawing/2010/main">
-                <a:solidFill>
-                  <a:schemeClr val="accent1"/>
-                </a:solidFill>
-              </a14:hiddenFill>
-            </a:ext>
-            <a:ext uri="{91240B29-F687-4F45-9708-019B960494DF}">
-              <a14:hiddenLine xmlns:a14="http://schemas.microsoft.com/office/drawing/2010/main" w="9525">
-                <a:solidFill>
-                  <a:schemeClr val="tx1"/>
-                </a:solidFill>
-                <a:miter lim="800000"/>
-                <a:headEnd/>
-                <a:tailEnd/>
-              </a14:hiddenLine>
-            </a:ext>
-            <a:ext uri="{AF507438-7753-43E0-B8FC-AC1667EBCBE1}">
-              <a14:hiddenEffects xmlns:a14="http://schemas.microsoft.com/office/drawing/2010/main">
-                <a:effectLst>
-                  <a:outerShdw dist="35921" dir="2700000" algn="ctr" rotWithShape="0">
-                    <a:schemeClr val="bg2"/>
-                  </a:outerShdw>
-                </a:effectLst>
-              </a14:hiddenEffects>
-            </a:ext>
-          </a:extLst>
-        </p:spPr>
-        <p:txBody>
-          <a:bodyPr lIns="92075" tIns="46038" rIns="92075" bIns="46038" anchor="ctr"/>
-          <a:lstStyle/>
-          <a:p>
-            <a:pPr algn="ctr" eaLnBrk="0" hangingPunct="0">
-              <a:defRPr/>
-            </a:pPr>
-            <a:r>
-              <a:rPr lang="es-ES_tradnl" sz="4400" b="1" dirty="0">
-                <a:solidFill>
-                  <a:srgbClr val="0070C0"/>
-                </a:solidFill>
-                <a:effectLst>
-                  <a:outerShdw blurRad="38100" dist="38100" dir="2700000" algn="tl">
-                    <a:srgbClr val="C0C0C0"/>
-                  </a:outerShdw>
-                </a:effectLst>
-                <a:latin typeface="Dom Casual" charset="0"/>
-              </a:rPr>
-              <a:t>Actividad Grupal</a:t>
-            </a:r>
-          </a:p>
-        </p:txBody>
-      </p:sp>
-      <p:pic>
-        <p:nvPicPr>
-          <p:cNvPr id="6" name="Picture 5"/>
-          <p:cNvPicPr>
-            <a:picLocks noChangeAspect="1" noChangeArrowheads="1"/>
-          </p:cNvPicPr>
-          <p:nvPr/>
-        </p:nvPicPr>
-        <p:blipFill>
-          <a:blip r:embed="rId2">
-            <a:extLst>
-              <a:ext uri="{28A0092B-C50C-407E-A947-70E740481C1C}">
-                <a14:useLocalDpi xmlns:a14="http://schemas.microsoft.com/office/drawing/2010/main" val="0"/>
-              </a:ext>
-            </a:extLst>
-          </a:blip>
-          <a:srcRect/>
-          <a:stretch>
-            <a:fillRect/>
-          </a:stretch>
-        </p:blipFill>
-        <p:spPr bwMode="auto">
-          <a:xfrm>
-            <a:off x="3059832" y="3717032"/>
-            <a:ext cx="3700809" cy="2452343"/>
-          </a:xfrm>
-          <a:prstGeom prst="rect">
-            <a:avLst/>
-          </a:prstGeom>
-          <a:noFill/>
-          <a:ln>
-            <a:noFill/>
-          </a:ln>
-          <a:extLst>
-            <a:ext uri="{909E8E84-426E-40DD-AFC4-6F175D3DCCD1}">
-              <a14:hiddenFill xmlns:a14="http://schemas.microsoft.com/office/drawing/2010/main">
-                <a:solidFill>
-                  <a:schemeClr val="accent1"/>
-                </a:solidFill>
-              </a14:hiddenFill>
-            </a:ext>
-            <a:ext uri="{91240B29-F687-4F45-9708-019B960494DF}">
-              <a14:hiddenLine xmlns:a14="http://schemas.microsoft.com/office/drawing/2010/main" w="9525">
-                <a:solidFill>
-                  <a:schemeClr val="tx1"/>
-                </a:solidFill>
-                <a:miter lim="800000"/>
-                <a:headEnd/>
-                <a:tailEnd/>
-              </a14:hiddenLine>
-            </a:ext>
-          </a:extLst>
-        </p:spPr>
-      </p:pic>
-    </p:spTree>
-    <p:extLst>
-      <p:ext uri="{BB962C8B-B14F-4D97-AF65-F5344CB8AC3E}">
-        <p14:creationId xmlns:p14="http://schemas.microsoft.com/office/powerpoint/2010/main" val="1062017422"/>
-      </p:ext>
-    </p:extLst>
-  </p:cSld>
-  <p:clrMapOvr>
-    <a:masterClrMapping/>
-  </p:clrMapOvr>
-  <p:timing>
-    <p:tnLst>
-      <p:par>
-        <p:cTn id="1" dur="indefinite" restart="never" nodeType="tmRoot">
-          <p:childTnLst>
-            <p:seq concurrent="1" nextAc="seek">
-              <p:cTn id="2" dur="indefinite" nodeType="mainSeq">
-                <p:childTnLst>
-                  <p:par>
-                    <p:cTn id="3" fill="hold" nodeType="clickPar">
-                      <p:stCondLst>
-                        <p:cond delay="indefinite"/>
-                      </p:stCondLst>
-                      <p:childTnLst>
-                        <p:par>
-                          <p:cTn id="4" fill="hold" nodeType="withGroup">
-                            <p:stCondLst>
-                              <p:cond delay="0"/>
-                            </p:stCondLst>
-                            <p:childTnLst>
-                              <p:par>
-                                <p:cTn id="5" presetID="2" presetClass="entr" presetSubtype="8" fill="hold" grpId="0" nodeType="clickEffect">
-                                  <p:stCondLst>
-                                    <p:cond delay="0"/>
-                                  </p:stCondLst>
-                                  <p:childTnLst>
-                                    <p:set>
-                                      <p:cBhvr>
-                                        <p:cTn id="6" dur="1" fill="hold">
-                                          <p:stCondLst>
-                                            <p:cond delay="0"/>
-                                          </p:stCondLst>
-                                        </p:cTn>
-                                        <p:tgtEl>
-                                          <p:spTgt spid="239620"/>
-                                        </p:tgtEl>
-                                        <p:attrNameLst>
-                                          <p:attrName>style.visibility</p:attrName>
-                                        </p:attrNameLst>
-                                      </p:cBhvr>
-                                      <p:to>
-                                        <p:strVal val="visible"/>
-                                      </p:to>
-                                    </p:set>
-                                    <p:anim calcmode="lin" valueType="num">
-                                      <p:cBhvr additive="base">
-                                        <p:cTn id="7" dur="500" fill="hold"/>
-                                        <p:tgtEl>
-                                          <p:spTgt spid="239620"/>
-                                        </p:tgtEl>
-                                        <p:attrNameLst>
-                                          <p:attrName>ppt_x</p:attrName>
-                                        </p:attrNameLst>
-                                      </p:cBhvr>
-                                      <p:tavLst>
-                                        <p:tav tm="0">
-                                          <p:val>
-                                            <p:strVal val="0-#ppt_w/2"/>
-                                          </p:val>
-                                        </p:tav>
-                                        <p:tav tm="100000">
-                                          <p:val>
-                                            <p:strVal val="#ppt_x"/>
-                                          </p:val>
-                                        </p:tav>
-                                      </p:tavLst>
-                                    </p:anim>
-                                    <p:anim calcmode="lin" valueType="num">
-                                      <p:cBhvr additive="base">
-                                        <p:cTn id="8" dur="500" fill="hold"/>
-                                        <p:tgtEl>
-                                          <p:spTgt spid="239620"/>
-                                        </p:tgtEl>
-                                        <p:attrNameLst>
-                                          <p:attrName>ppt_y</p:attrName>
-                                        </p:attrNameLst>
-                                      </p:cBhvr>
-                                      <p:tavLst>
-                                        <p:tav tm="0">
-                                          <p:val>
-                                            <p:strVal val="#ppt_y"/>
-                                          </p:val>
-                                        </p:tav>
-                                        <p:tav tm="100000">
-                                          <p:val>
-                                            <p:strVal val="#ppt_y"/>
-                                          </p:val>
-                                        </p:tav>
-                                      </p:tavLst>
-                                    </p:anim>
-                                  </p:childTnLst>
-                                </p:cTn>
-                              </p:par>
-                            </p:childTnLst>
-                          </p:cTn>
-                        </p:par>
-                      </p:childTnLst>
-                    </p:cTn>
-                  </p:par>
-                </p:childTnLst>
-              </p:cTn>
-              <p:prevCondLst>
-                <p:cond evt="onPrev" delay="0">
-                  <p:tgtEl>
-                    <p:sldTgt/>
-                  </p:tgtEl>
-                </p:cond>
-              </p:prevCondLst>
-              <p:nextCondLst>
-                <p:cond evt="onNext" delay="0">
-                  <p:tgtEl>
-                    <p:sldTgt/>
-                  </p:tgtEl>
-                </p:cond>
-              </p:nextCondLst>
-            </p:seq>
-          </p:childTnLst>
-        </p:cTn>
-      </p:par>
-    </p:tnLst>
-    <p:bldLst>
-      <p:bldP spid="239620" grpId="0" autoUpdateAnimBg="0"/>
     </p:bldLst>
   </p:timing>
 </p:sld>
@@ -39246,7 +38978,7 @@
                 <a:latin typeface="Arial" pitchFamily="34" charset="0"/>
                 <a:cs typeface="Arial" pitchFamily="34" charset="0"/>
               </a:rPr>
-              <a:t>[ ][ ]</a:t>
+              <a:t>[ [ ] ]</a:t>
             </a:r>
           </a:p>
           <a:p>

--- a/CalendarioAgo20L/presentaciones/10_Matrices.pptx
+++ b/CalendarioAgo20L/presentaciones/10_Matrices.pptx
@@ -27420,7 +27420,7 @@
         <p:spPr bwMode="auto">
           <a:xfrm>
             <a:off x="467544" y="1567773"/>
-            <a:ext cx="8208912" cy="2516073"/>
+            <a:ext cx="8208912" cy="2456185"/>
           </a:xfrm>
           <a:prstGeom prst="rect">
             <a:avLst/>
@@ -27628,7 +27628,7 @@
             </a:pPr>
             <a:r>
               <a:rPr lang="es-ES_tradnl" sz="2100" dirty="0"/>
-              <a:t>El procedimiento asignará en la localidad correspondiente de la matriz C la suma de las matrices A más B. </a:t>
+              <a:t>La función asignará en la localidad correspondiente de la matriz C la suma de las matrices A más B. </a:t>
             </a:r>
           </a:p>
         </p:txBody>
